--- a/Presentation/presentation.pptx
+++ b/Presentation/presentation.pptx
@@ -2896,7 +2896,7 @@
             <a:fld id="{1D8BD707-D9CF-40AE-B4C6-C98DA3205C09}" type="datetimeFigureOut">
               <a:rPr lang="en-US" smtClean="0"/>
               <a:pPr/>
-              <a:t>15-Jul-14</a:t>
+              <a:t>15-Dec-14</a:t>
             </a:fld>
             <a:endParaRPr lang="en-US"/>
           </a:p>
@@ -3183,7 +3183,7 @@
             <a:fld id="{1D8BD707-D9CF-40AE-B4C6-C98DA3205C09}" type="datetimeFigureOut">
               <a:rPr lang="en-US" smtClean="0"/>
               <a:pPr/>
-              <a:t>15-Jul-14</a:t>
+              <a:t>15-Dec-14</a:t>
             </a:fld>
             <a:endParaRPr lang="en-US"/>
           </a:p>
@@ -3360,7 +3360,7 @@
             <a:fld id="{1D8BD707-D9CF-40AE-B4C6-C98DA3205C09}" type="datetimeFigureOut">
               <a:rPr lang="en-US" smtClean="0"/>
               <a:pPr/>
-              <a:t>15-Jul-14</a:t>
+              <a:t>15-Dec-14</a:t>
             </a:fld>
             <a:endParaRPr lang="en-US"/>
           </a:p>
@@ -3527,7 +3527,7 @@
             <a:fld id="{1D8BD707-D9CF-40AE-B4C6-C98DA3205C09}" type="datetimeFigureOut">
               <a:rPr lang="en-US" smtClean="0"/>
               <a:pPr/>
-              <a:t>15-Jul-14</a:t>
+              <a:t>15-Dec-14</a:t>
             </a:fld>
             <a:endParaRPr lang="en-US"/>
           </a:p>
@@ -3770,7 +3770,7 @@
             <a:fld id="{1D8BD707-D9CF-40AE-B4C6-C98DA3205C09}" type="datetimeFigureOut">
               <a:rPr lang="en-US" smtClean="0"/>
               <a:pPr/>
-              <a:t>15-Jul-14</a:t>
+              <a:t>15-Dec-14</a:t>
             </a:fld>
             <a:endParaRPr lang="en-US"/>
           </a:p>
@@ -3885,7 +3885,7 @@
             <a:fld id="{1D8BD707-D9CF-40AE-B4C6-C98DA3205C09}" type="datetimeFigureOut">
               <a:rPr lang="en-US" smtClean="0"/>
               <a:pPr/>
-              <a:t>15-Jul-14</a:t>
+              <a:t>15-Dec-14</a:t>
             </a:fld>
             <a:endParaRPr lang="en-US"/>
           </a:p>
@@ -4426,7 +4426,7 @@
             <a:fld id="{1D8BD707-D9CF-40AE-B4C6-C98DA3205C09}" type="datetimeFigureOut">
               <a:rPr lang="en-US" smtClean="0"/>
               <a:pPr/>
-              <a:t>15-Jul-14</a:t>
+              <a:t>15-Dec-14</a:t>
             </a:fld>
             <a:endParaRPr lang="en-US"/>
           </a:p>
@@ -4541,7 +4541,7 @@
             <a:fld id="{1D8BD707-D9CF-40AE-B4C6-C98DA3205C09}" type="datetimeFigureOut">
               <a:rPr lang="en-US" smtClean="0"/>
               <a:pPr/>
-              <a:t>15-Jul-14</a:t>
+              <a:t>15-Dec-14</a:t>
             </a:fld>
             <a:endParaRPr lang="en-US"/>
           </a:p>
@@ -4633,7 +4633,7 @@
             <a:fld id="{1D8BD707-D9CF-40AE-B4C6-C98DA3205C09}" type="datetimeFigureOut">
               <a:rPr lang="en-US" smtClean="0"/>
               <a:pPr/>
-              <a:t>15-Jul-14</a:t>
+              <a:t>15-Dec-14</a:t>
             </a:fld>
             <a:endParaRPr lang="en-US"/>
           </a:p>
@@ -7286,7 +7286,7 @@
             <a:fld id="{1D8BD707-D9CF-40AE-B4C6-C98DA3205C09}" type="datetimeFigureOut">
               <a:rPr lang="en-US" smtClean="0"/>
               <a:pPr/>
-              <a:t>15-Jul-14</a:t>
+              <a:t>15-Dec-14</a:t>
             </a:fld>
             <a:endParaRPr lang="en-US"/>
           </a:p>
@@ -10500,7 +10500,7 @@
             <a:fld id="{1D8BD707-D9CF-40AE-B4C6-C98DA3205C09}" type="datetimeFigureOut">
               <a:rPr lang="en-US" smtClean="0"/>
               <a:pPr/>
-              <a:t>15-Jul-14</a:t>
+              <a:t>15-Dec-14</a:t>
             </a:fld>
             <a:endParaRPr lang="en-US"/>
           </a:p>
@@ -13324,7 +13324,7 @@
             <a:fld id="{1D8BD707-D9CF-40AE-B4C6-C98DA3205C09}" type="datetimeFigureOut">
               <a:rPr lang="en-US" smtClean="0"/>
               <a:pPr/>
-              <a:t>15-Jul-14</a:t>
+              <a:t>15-Dec-14</a:t>
             </a:fld>
             <a:endParaRPr lang="en-US"/>
           </a:p>
@@ -13858,11 +13858,7 @@
             </a:r>
             <a:r>
               <a:rPr lang="en-US" sz="1400" b="1" dirty="0" smtClean="0"/>
-              <a:t> </a:t>
-            </a:r>
-            <a:r>
-              <a:rPr lang="en-US" sz="1400" b="1" dirty="0" smtClean="0"/>
-              <a:t>Karim &amp; </a:t>
+              <a:t> Karim &amp; </a:t>
             </a:r>
             <a:r>
               <a:rPr lang="en-US" sz="1400" b="1" dirty="0" err="1" smtClean="0"/>
@@ -14656,7 +14652,7 @@
         <p:spPr/>
         <p:txBody>
           <a:bodyPr>
-            <a:normAutofit/>
+            <a:normAutofit fontScale="92500" lnSpcReduction="10000"/>
           </a:bodyPr>
           <a:lstStyle/>
           <a:p>
@@ -14860,8 +14856,43 @@
             </a:r>
             <a:r>
               <a:rPr lang="en-US" sz="1400" dirty="0" smtClean="0"/>
-              <a:t>after or before one number.</a:t>
-            </a:r>
+              <a:t>after or before one number</a:t>
+            </a:r>
+            <a:r>
+              <a:rPr lang="en-US" sz="1400" dirty="0" smtClean="0"/>
+              <a:t>.</a:t>
+            </a:r>
+          </a:p>
+          <a:p>
+            <a:r>
+              <a:rPr lang="en-US" sz="1400" b="1" dirty="0" smtClean="0">
+                <a:solidFill>
+                  <a:srgbClr val="FF0000"/>
+                </a:solidFill>
+              </a:rPr>
+              <a:t>Can’t use “1+23 + (2-1+1)” will not work. To solve that you have to use “1+23 </a:t>
+            </a:r>
+            <a:r>
+              <a:rPr lang="en-US" sz="1400" b="1" dirty="0">
+                <a:solidFill>
+                  <a:srgbClr val="FF0000"/>
+                </a:solidFill>
+              </a:rPr>
+              <a:t>+ </a:t>
+            </a:r>
+            <a:r>
+              <a:rPr lang="en-US" sz="1400" b="1" dirty="0" smtClean="0">
+                <a:solidFill>
+                  <a:srgbClr val="FF0000"/>
+                </a:solidFill>
+              </a:rPr>
+              <a:t>1(2-1+1)”</a:t>
+            </a:r>
+            <a:endParaRPr lang="en-US" sz="1400" b="1" dirty="0" smtClean="0">
+              <a:solidFill>
+                <a:srgbClr val="FF0000"/>
+              </a:solidFill>
+            </a:endParaRPr>
           </a:p>
           <a:p>
             <a:pPr marL="68580" indent="0">
